--- a/VideoSessionsMaterials/v7-accessing-data.pptx
+++ b/VideoSessionsMaterials/v7-accessing-data.pptx
@@ -5084,7 +5084,7 @@
         <p:spPr>
           <a:xfrm>
             <a:off x="541346" y="1911090"/>
-            <a:ext cx="15877477" cy="7060998"/>
+            <a:ext cx="16439257" cy="7060998"/>
           </a:xfrm>
           <a:prstGeom prst="rect">
             <a:avLst/>
@@ -5104,7 +5104,7 @@
               <a:defRPr/>
             </a:pPr>
             <a:r>
-              <a:rPr lang="en-US" dirty="0">
+              <a:rPr lang="en-US" sz="2800" dirty="0">
                 <a:latin typeface="Source Code Pro"/>
                 <a:cs typeface="Source Code Pro"/>
               </a:rPr>
@@ -5120,14 +5120,14 @@
               <a:defRPr/>
             </a:pPr>
             <a:r>
-              <a:rPr lang="en-US" dirty="0" smtClean="0">
+              <a:rPr lang="en-US" sz="2800" dirty="0" smtClean="0">
                 <a:latin typeface="Source Code Pro"/>
                 <a:cs typeface="Source Code Pro"/>
               </a:rPr>
               <a:t>  videoPlayer </a:t>
             </a:r>
             <a:r>
-              <a:rPr lang="en-US" dirty="0">
+              <a:rPr lang="en-US" sz="2800" dirty="0">
                 <a:latin typeface="Source Code Pro"/>
                 <a:cs typeface="Source Code Pro"/>
               </a:rPr>
@@ -5143,14 +5143,14 @@
               <a:defRPr/>
             </a:pPr>
             <a:r>
-              <a:rPr lang="en-US" dirty="0" smtClean="0">
+              <a:rPr lang="en-US" sz="2800" dirty="0" smtClean="0">
                 <a:latin typeface="Source Code Pro"/>
                 <a:cs typeface="Source Code Pro"/>
               </a:rPr>
               <a:t> </a:t>
             </a:r>
             <a:r>
-              <a:rPr lang="en-US" dirty="0" smtClean="0">
+              <a:rPr lang="en-US" sz="2800" dirty="0" smtClean="0">
                 <a:solidFill>
                   <a:schemeClr val="tx1"/>
                 </a:solidFill>
@@ -5160,7 +5160,7 @@
               <a:t> </a:t>
             </a:r>
             <a:r>
-              <a:rPr lang="en-US" b="1" dirty="0" smtClean="0">
+              <a:rPr lang="en-US" sz="2800" b="1" dirty="0" smtClean="0">
                 <a:solidFill>
                   <a:schemeClr val="tx1"/>
                 </a:solidFill>
@@ -5170,35 +5170,35 @@
               <a:t>videoPlayer.getCurrentVideo</a:t>
             </a:r>
             <a:r>
-              <a:rPr lang="en-US" dirty="0">
+              <a:rPr lang="en-US" sz="2800" dirty="0">
                 <a:latin typeface="Source Code Pro"/>
                 <a:cs typeface="Source Code Pro"/>
               </a:rPr>
               <a:t>( </a:t>
             </a:r>
             <a:r>
-              <a:rPr lang="en-US" b="1" dirty="0">
+              <a:rPr lang="en-US" sz="2800" b="1" dirty="0">
                 <a:latin typeface="Source Code Pro"/>
                 <a:cs typeface="Source Code Pro"/>
               </a:rPr>
               <a:t>function</a:t>
             </a:r>
             <a:r>
-              <a:rPr lang="en-US" dirty="0">
+              <a:rPr lang="en-US" sz="2800" dirty="0">
                 <a:latin typeface="Source Code Pro"/>
                 <a:cs typeface="Source Code Pro"/>
               </a:rPr>
               <a:t>(</a:t>
             </a:r>
             <a:r>
-              <a:rPr lang="en-US" b="1" dirty="0">
+              <a:rPr lang="en-US" sz="2800" b="1" dirty="0">
                 <a:latin typeface="Source Code Pro"/>
                 <a:cs typeface="Source Code Pro"/>
               </a:rPr>
               <a:t>videoDTO</a:t>
             </a:r>
             <a:r>
-              <a:rPr lang="en-US" dirty="0">
+              <a:rPr lang="en-US" sz="2800" dirty="0">
                 <a:latin typeface="Source Code Pro"/>
                 <a:cs typeface="Source Code Pro"/>
               </a:rPr>
@@ -5214,55 +5214,69 @@
               <a:defRPr/>
             </a:pPr>
             <a:r>
-              <a:rPr lang="en-US" dirty="0" smtClean="0">
+              <a:rPr lang="en-US" sz="2800" dirty="0" smtClean="0">
                 <a:latin typeface="Source Code Pro"/>
                 <a:cs typeface="Source Code Pro"/>
               </a:rPr>
               <a:t>    videoName.innerHTML </a:t>
             </a:r>
             <a:r>
-              <a:rPr lang="en-US" dirty="0">
+              <a:rPr lang="en-US" sz="2800" dirty="0">
                 <a:latin typeface="Source Code Pro"/>
                 <a:cs typeface="Source Code Pro"/>
               </a:rPr>
-              <a:t>= "Currently watching: &lt;strong&gt;" + </a:t>
-            </a:r>
-            <a:r>
-              <a:rPr lang="en-US" b="1" dirty="0">
+              <a:t>= "Currently watching: &lt;strong&gt;" </a:t>
+            </a:r>
+            <a:r>
+              <a:rPr lang="en-US" sz="2800" dirty="0" smtClean="0">
+                <a:latin typeface="Source Code Pro"/>
+                <a:cs typeface="Source Code Pro"/>
+              </a:rPr>
+              <a:t>+</a:t>
+            </a:r>
+            <a:br>
+              <a:rPr lang="en-US" sz="2800" dirty="0" smtClean="0">
+                <a:latin typeface="Source Code Pro"/>
+                <a:cs typeface="Source Code Pro"/>
+              </a:rPr>
+            </a:br>
+            <a:r>
+              <a:rPr lang="en-US" sz="2800" dirty="0" smtClean="0">
+                <a:latin typeface="Source Code Pro"/>
+                <a:cs typeface="Source Code Pro"/>
+              </a:rPr>
+              <a:t>       </a:t>
+            </a:r>
+            <a:r>
+              <a:rPr lang="en-US" sz="2800" b="1" dirty="0" err="1" smtClean="0">
                 <a:latin typeface="Source Code Pro"/>
                 <a:cs typeface="Source Code Pro"/>
               </a:rPr>
               <a:t>videoDTO.displayName</a:t>
             </a:r>
             <a:r>
-              <a:rPr lang="en-US" dirty="0">
+              <a:rPr lang="en-US" sz="2800" dirty="0" smtClean="0">
                 <a:latin typeface="Source Code Pro"/>
                 <a:cs typeface="Source Code Pro"/>
               </a:rPr>
-              <a:t> + </a:t>
-            </a:r>
-            <a:r>
-              <a:rPr lang="en-US" dirty="0" smtClean="0">
+              <a:t> </a:t>
+            </a:r>
+            <a:r>
+              <a:rPr lang="en-US" sz="2800" dirty="0">
                 <a:latin typeface="Source Code Pro"/>
                 <a:cs typeface="Source Code Pro"/>
               </a:rPr>
-              <a:t/>
-            </a:r>
-            <a:br>
-              <a:rPr lang="en-US" dirty="0" smtClean="0">
+              <a:t>+ </a:t>
+            </a:r>
+            <a:r>
+              <a:rPr lang="en-US" sz="2800" dirty="0" smtClean="0">
                 <a:latin typeface="Source Code Pro"/>
                 <a:cs typeface="Source Code Pro"/>
               </a:rPr>
-            </a:br>
-            <a:r>
-              <a:rPr lang="en-US" dirty="0" smtClean="0">
-                <a:latin typeface="Source Code Pro"/>
-                <a:cs typeface="Source Code Pro"/>
-              </a:rPr>
-              <a:t>    "</a:t>
-            </a:r>
-            <a:r>
-              <a:rPr lang="en-US" dirty="0">
+              <a:t>"</a:t>
+            </a:r>
+            <a:r>
+              <a:rPr lang="en-US" sz="2800" dirty="0">
                 <a:latin typeface="Source Code Pro"/>
                 <a:cs typeface="Source Code Pro"/>
               </a:rPr>
@@ -5278,7 +5292,7 @@
               <a:defRPr/>
             </a:pPr>
             <a:r>
-              <a:rPr lang="en-US" dirty="0" smtClean="0">
+              <a:rPr lang="en-US" sz="2800" dirty="0" smtClean="0">
                 <a:latin typeface="Source Code Pro"/>
                 <a:cs typeface="Source Code Pro"/>
               </a:rPr>
@@ -5294,16 +5308,12 @@
               <a:defRPr/>
             </a:pPr>
             <a:r>
-              <a:rPr lang="en-US" dirty="0">
+              <a:rPr lang="en-US" sz="2800" dirty="0">
                 <a:latin typeface="Source Code Pro"/>
                 <a:cs typeface="Source Code Pro"/>
               </a:rPr>
               <a:t>}</a:t>
             </a:r>
-            <a:endParaRPr lang="en-US" dirty="0">
-              <a:latin typeface="Source Code Pro"/>
-              <a:cs typeface="Source Code Pro"/>
-            </a:endParaRPr>
           </a:p>
           <a:p>
             <a:pPr>
@@ -5416,7 +5426,7 @@
         <p:spPr>
           <a:xfrm>
             <a:off x="1368888" y="6992951"/>
-            <a:ext cx="12418945" cy="1015663"/>
+            <a:ext cx="12418945" cy="1077218"/>
           </a:xfrm>
           <a:prstGeom prst="rect">
             <a:avLst/>
@@ -5443,10 +5453,10 @@
           <a:lstStyle/>
           <a:p>
             <a:r>
-              <a:rPr lang="en-US" dirty="0" smtClean="0"/>
+              <a:rPr lang="en-US" sz="3200" dirty="0" smtClean="0"/>
               <a:t>Remember: calls are asynchronous, so you must provide a callback function to handle returned data</a:t>
             </a:r>
-            <a:endParaRPr lang="en-US" dirty="0"/>
+            <a:endParaRPr lang="en-US" sz="3200" dirty="0"/>
           </a:p>
         </p:txBody>
       </p:sp>
@@ -5529,7 +5539,7 @@
           <a:lstStyle/>
           <a:p>
             <a:r>
-              <a:rPr lang="en-US" dirty="0" smtClean="0"/>
+              <a:rPr lang="en-US" sz="3200" dirty="0" smtClean="0"/>
               <a:t>Use the API documentation</a:t>
             </a:r>
           </a:p>
@@ -5538,7 +5548,7 @@
               <a:buFont typeface="Arial"/>
               <a:buChar char="•"/>
             </a:pPr>
-            <a:endParaRPr lang="en-US" dirty="0"/>
+            <a:endParaRPr lang="en-US" sz="3200" dirty="0"/>
           </a:p>
         </p:txBody>
       </p:sp>
@@ -5623,8 +5633,8 @@
         </p:blipFill>
         <p:spPr>
           <a:xfrm>
-            <a:off x="776288" y="2536377"/>
-            <a:ext cx="12598400" cy="5384800"/>
+            <a:off x="776287" y="2627091"/>
+            <a:ext cx="14185921" cy="6063337"/>
           </a:xfrm>
           <a:prstGeom prst="rect">
             <a:avLst/>
@@ -5708,12 +5718,12 @@
           <a:lstStyle/>
           <a:p>
             <a:r>
-              <a:rPr lang="en-US" dirty="0"/>
-              <a:t>d</a:t>
-            </a:r>
-            <a:r>
-              <a:rPr lang="en-US" dirty="0" smtClean="0"/>
-              <a:t>eveloper / debugging tools</a:t>
+              <a:rPr lang="en-US" sz="3200" dirty="0" smtClean="0"/>
+              <a:t>Use developer </a:t>
+            </a:r>
+            <a:r>
+              <a:rPr lang="en-US" sz="3200" dirty="0" smtClean="0"/>
+              <a:t>/ debugging tools</a:t>
             </a:r>
           </a:p>
           <a:p>
@@ -5813,8 +5823,8 @@
         </p:blipFill>
         <p:spPr>
           <a:xfrm>
-            <a:off x="776288" y="2555573"/>
-            <a:ext cx="15949260" cy="5316420"/>
+            <a:off x="469563" y="2555573"/>
+            <a:ext cx="16673640" cy="5557880"/>
           </a:xfrm>
           <a:prstGeom prst="rect">
             <a:avLst/>

--- a/VideoSessionsMaterials/v7-accessing-data.pptx
+++ b/VideoSessionsMaterials/v7-accessing-data.pptx
@@ -5,14 +5,15 @@
     <p:sldMasterId id="2147483648" r:id="rId1"/>
   </p:sldMasterIdLst>
   <p:notesMasterIdLst>
-    <p:notesMasterId r:id="rId7"/>
+    <p:notesMasterId r:id="rId8"/>
   </p:notesMasterIdLst>
   <p:sldIdLst>
     <p:sldId id="358" r:id="rId2"/>
-    <p:sldId id="339" r:id="rId3"/>
-    <p:sldId id="356" r:id="rId4"/>
-    <p:sldId id="357" r:id="rId5"/>
-    <p:sldId id="322" r:id="rId6"/>
+    <p:sldId id="359" r:id="rId3"/>
+    <p:sldId id="339" r:id="rId4"/>
+    <p:sldId id="356" r:id="rId5"/>
+    <p:sldId id="357" r:id="rId6"/>
+    <p:sldId id="322" r:id="rId7"/>
   </p:sldIdLst>
   <p:sldSz cx="17327563" cy="9747250"/>
   <p:notesSz cx="6858000" cy="9144000"/>
@@ -227,7 +228,7 @@
             <a:fld id="{DDC063FE-8627-9A42-970F-0BBEEB02B587}" type="datetimeFigureOut">
               <a:rPr lang="en-US" smtClean="0"/>
               <a:pPr/>
-              <a:t>11/26/13</a:t>
+              <a:t>11/27/13</a:t>
             </a:fld>
             <a:endParaRPr lang="en-US" dirty="0"/>
           </a:p>
@@ -630,6 +631,91 @@
       </p:grpSpPr>
       <p:sp>
         <p:nvSpPr>
+          <p:cNvPr id="2" name="Slide Image Placeholder 1"/>
+          <p:cNvSpPr>
+            <a:spLocks noGrp="1" noRot="1" noChangeAspect="1"/>
+          </p:cNvSpPr>
+          <p:nvPr>
+            <p:ph type="sldImg"/>
+          </p:nvPr>
+        </p:nvSpPr>
+        <p:spPr/>
+      </p:sp>
+      <p:sp>
+        <p:nvSpPr>
+          <p:cNvPr id="3" name="Notes Placeholder 2"/>
+          <p:cNvSpPr>
+            <a:spLocks noGrp="1"/>
+          </p:cNvSpPr>
+          <p:nvPr>
+            <p:ph type="body" idx="1"/>
+          </p:nvPr>
+        </p:nvSpPr>
+        <p:spPr/>
+        <p:txBody>
+          <a:bodyPr/>
+          <a:lstStyle/>
+          <a:p>
+            <a:endParaRPr lang="en-US"/>
+          </a:p>
+        </p:txBody>
+      </p:sp>
+      <p:sp>
+        <p:nvSpPr>
+          <p:cNvPr id="4" name="Slide Number Placeholder 3"/>
+          <p:cNvSpPr>
+            <a:spLocks noGrp="1"/>
+          </p:cNvSpPr>
+          <p:nvPr>
+            <p:ph type="sldNum" sz="quarter" idx="10"/>
+          </p:nvPr>
+        </p:nvSpPr>
+        <p:spPr/>
+        <p:txBody>
+          <a:bodyPr/>
+          <a:lstStyle/>
+          <a:p>
+            <a:fld id="{3560C2FB-C494-1A46-A471-884A4E75440F}" type="slidenum">
+              <a:rPr lang="en-US" smtClean="0"/>
+              <a:pPr/>
+              <a:t>2</a:t>
+            </a:fld>
+            <a:endParaRPr lang="en-US" dirty="0"/>
+          </a:p>
+        </p:txBody>
+      </p:sp>
+    </p:spTree>
+    <p:extLst>
+      <p:ext uri="{BB962C8B-B14F-4D97-AF65-F5344CB8AC3E}">
+        <p14:creationId xmlns:p14="http://schemas.microsoft.com/office/powerpoint/2010/main" val="1642106351"/>
+      </p:ext>
+    </p:extLst>
+  </p:cSld>
+  <p:clrMapOvr>
+    <a:masterClrMapping/>
+  </p:clrMapOvr>
+</p:notes>
+</file>
+
+<file path=ppt/notesSlides/notesSlide3.xml><?xml version="1.0" encoding="utf-8"?>
+<p:notes xmlns:a="http://schemas.openxmlformats.org/drawingml/2006/main" xmlns:r="http://schemas.openxmlformats.org/officeDocument/2006/relationships" xmlns:p="http://schemas.openxmlformats.org/presentationml/2006/main">
+  <p:cSld>
+    <p:spTree>
+      <p:nvGrpSpPr>
+        <p:cNvPr id="1" name=""/>
+        <p:cNvGrpSpPr/>
+        <p:nvPr/>
+      </p:nvGrpSpPr>
+      <p:grpSpPr>
+        <a:xfrm>
+          <a:off x="0" y="0"/>
+          <a:ext cx="0" cy="0"/>
+          <a:chOff x="0" y="0"/>
+          <a:chExt cx="0" cy="0"/>
+        </a:xfrm>
+      </p:grpSpPr>
+      <p:sp>
+        <p:nvSpPr>
           <p:cNvPr id="293889" name="Rectangle 7"/>
           <p:cNvSpPr txBox="1">
             <a:spLocks noGrp="1" noChangeArrowheads="1"/>
@@ -666,7 +752,7 @@
               <a:pPr algn="r" eaLnBrk="0" hangingPunct="0">
                 <a:defRPr/>
               </a:pPr>
-              <a:t>2</a:t>
+              <a:t>3</a:t>
             </a:fld>
             <a:endParaRPr lang="en-US" sz="1200" dirty="0">
               <a:ea typeface="ＭＳ Ｐゴシック" pitchFamily="34" charset="-128"/>
@@ -715,6 +801,261 @@
         </p:txBody>
       </p:sp>
     </p:spTree>
+  </p:cSld>
+  <p:clrMapOvr>
+    <a:masterClrMapping/>
+  </p:clrMapOvr>
+</p:notes>
+</file>
+
+<file path=ppt/notesSlides/notesSlide4.xml><?xml version="1.0" encoding="utf-8"?>
+<p:notes xmlns:a="http://schemas.openxmlformats.org/drawingml/2006/main" xmlns:r="http://schemas.openxmlformats.org/officeDocument/2006/relationships" xmlns:p="http://schemas.openxmlformats.org/presentationml/2006/main">
+  <p:cSld>
+    <p:spTree>
+      <p:nvGrpSpPr>
+        <p:cNvPr id="1" name=""/>
+        <p:cNvGrpSpPr/>
+        <p:nvPr/>
+      </p:nvGrpSpPr>
+      <p:grpSpPr>
+        <a:xfrm>
+          <a:off x="0" y="0"/>
+          <a:ext cx="0" cy="0"/>
+          <a:chOff x="0" y="0"/>
+          <a:chExt cx="0" cy="0"/>
+        </a:xfrm>
+      </p:grpSpPr>
+      <p:sp>
+        <p:nvSpPr>
+          <p:cNvPr id="2" name="Slide Image Placeholder 1"/>
+          <p:cNvSpPr>
+            <a:spLocks noGrp="1" noRot="1" noChangeAspect="1"/>
+          </p:cNvSpPr>
+          <p:nvPr>
+            <p:ph type="sldImg"/>
+          </p:nvPr>
+        </p:nvSpPr>
+        <p:spPr/>
+      </p:sp>
+      <p:sp>
+        <p:nvSpPr>
+          <p:cNvPr id="3" name="Notes Placeholder 2"/>
+          <p:cNvSpPr>
+            <a:spLocks noGrp="1"/>
+          </p:cNvSpPr>
+          <p:nvPr>
+            <p:ph type="body" idx="1"/>
+          </p:nvPr>
+        </p:nvSpPr>
+        <p:spPr/>
+        <p:txBody>
+          <a:bodyPr/>
+          <a:lstStyle/>
+          <a:p>
+            <a:endParaRPr lang="en-US"/>
+          </a:p>
+        </p:txBody>
+      </p:sp>
+      <p:sp>
+        <p:nvSpPr>
+          <p:cNvPr id="4" name="Slide Number Placeholder 3"/>
+          <p:cNvSpPr>
+            <a:spLocks noGrp="1"/>
+          </p:cNvSpPr>
+          <p:nvPr>
+            <p:ph type="sldNum" sz="quarter" idx="10"/>
+          </p:nvPr>
+        </p:nvSpPr>
+        <p:spPr/>
+        <p:txBody>
+          <a:bodyPr/>
+          <a:lstStyle/>
+          <a:p>
+            <a:fld id="{3560C2FB-C494-1A46-A471-884A4E75440F}" type="slidenum">
+              <a:rPr lang="en-US" smtClean="0"/>
+              <a:pPr/>
+              <a:t>4</a:t>
+            </a:fld>
+            <a:endParaRPr lang="en-US" dirty="0"/>
+          </a:p>
+        </p:txBody>
+      </p:sp>
+    </p:spTree>
+    <p:extLst>
+      <p:ext uri="{BB962C8B-B14F-4D97-AF65-F5344CB8AC3E}">
+        <p14:creationId xmlns:p14="http://schemas.microsoft.com/office/powerpoint/2010/main" val="130665031"/>
+      </p:ext>
+    </p:extLst>
+  </p:cSld>
+  <p:clrMapOvr>
+    <a:masterClrMapping/>
+  </p:clrMapOvr>
+</p:notes>
+</file>
+
+<file path=ppt/notesSlides/notesSlide5.xml><?xml version="1.0" encoding="utf-8"?>
+<p:notes xmlns:a="http://schemas.openxmlformats.org/drawingml/2006/main" xmlns:r="http://schemas.openxmlformats.org/officeDocument/2006/relationships" xmlns:p="http://schemas.openxmlformats.org/presentationml/2006/main">
+  <p:cSld>
+    <p:spTree>
+      <p:nvGrpSpPr>
+        <p:cNvPr id="1" name=""/>
+        <p:cNvGrpSpPr/>
+        <p:nvPr/>
+      </p:nvGrpSpPr>
+      <p:grpSpPr>
+        <a:xfrm>
+          <a:off x="0" y="0"/>
+          <a:ext cx="0" cy="0"/>
+          <a:chOff x="0" y="0"/>
+          <a:chExt cx="0" cy="0"/>
+        </a:xfrm>
+      </p:grpSpPr>
+      <p:sp>
+        <p:nvSpPr>
+          <p:cNvPr id="2" name="Slide Image Placeholder 1"/>
+          <p:cNvSpPr>
+            <a:spLocks noGrp="1" noRot="1" noChangeAspect="1"/>
+          </p:cNvSpPr>
+          <p:nvPr>
+            <p:ph type="sldImg"/>
+          </p:nvPr>
+        </p:nvSpPr>
+        <p:spPr/>
+      </p:sp>
+      <p:sp>
+        <p:nvSpPr>
+          <p:cNvPr id="3" name="Notes Placeholder 2"/>
+          <p:cNvSpPr>
+            <a:spLocks noGrp="1"/>
+          </p:cNvSpPr>
+          <p:nvPr>
+            <p:ph type="body" idx="1"/>
+          </p:nvPr>
+        </p:nvSpPr>
+        <p:spPr/>
+        <p:txBody>
+          <a:bodyPr/>
+          <a:lstStyle/>
+          <a:p>
+            <a:endParaRPr lang="en-US"/>
+          </a:p>
+        </p:txBody>
+      </p:sp>
+      <p:sp>
+        <p:nvSpPr>
+          <p:cNvPr id="4" name="Slide Number Placeholder 3"/>
+          <p:cNvSpPr>
+            <a:spLocks noGrp="1"/>
+          </p:cNvSpPr>
+          <p:nvPr>
+            <p:ph type="sldNum" sz="quarter" idx="10"/>
+          </p:nvPr>
+        </p:nvSpPr>
+        <p:spPr/>
+        <p:txBody>
+          <a:bodyPr/>
+          <a:lstStyle/>
+          <a:p>
+            <a:fld id="{3560C2FB-C494-1A46-A471-884A4E75440F}" type="slidenum">
+              <a:rPr lang="en-US" smtClean="0"/>
+              <a:pPr/>
+              <a:t>5</a:t>
+            </a:fld>
+            <a:endParaRPr lang="en-US" dirty="0"/>
+          </a:p>
+        </p:txBody>
+      </p:sp>
+    </p:spTree>
+    <p:extLst>
+      <p:ext uri="{BB962C8B-B14F-4D97-AF65-F5344CB8AC3E}">
+        <p14:creationId xmlns:p14="http://schemas.microsoft.com/office/powerpoint/2010/main" val="3359180190"/>
+      </p:ext>
+    </p:extLst>
+  </p:cSld>
+  <p:clrMapOvr>
+    <a:masterClrMapping/>
+  </p:clrMapOvr>
+</p:notes>
+</file>
+
+<file path=ppt/notesSlides/notesSlide6.xml><?xml version="1.0" encoding="utf-8"?>
+<p:notes xmlns:a="http://schemas.openxmlformats.org/drawingml/2006/main" xmlns:r="http://schemas.openxmlformats.org/officeDocument/2006/relationships" xmlns:p="http://schemas.openxmlformats.org/presentationml/2006/main">
+  <p:cSld>
+    <p:spTree>
+      <p:nvGrpSpPr>
+        <p:cNvPr id="1" name=""/>
+        <p:cNvGrpSpPr/>
+        <p:nvPr/>
+      </p:nvGrpSpPr>
+      <p:grpSpPr>
+        <a:xfrm>
+          <a:off x="0" y="0"/>
+          <a:ext cx="0" cy="0"/>
+          <a:chOff x="0" y="0"/>
+          <a:chExt cx="0" cy="0"/>
+        </a:xfrm>
+      </p:grpSpPr>
+      <p:sp>
+        <p:nvSpPr>
+          <p:cNvPr id="2" name="Slide Image Placeholder 1"/>
+          <p:cNvSpPr>
+            <a:spLocks noGrp="1" noRot="1" noChangeAspect="1"/>
+          </p:cNvSpPr>
+          <p:nvPr>
+            <p:ph type="sldImg"/>
+          </p:nvPr>
+        </p:nvSpPr>
+        <p:spPr/>
+      </p:sp>
+      <p:sp>
+        <p:nvSpPr>
+          <p:cNvPr id="3" name="Notes Placeholder 2"/>
+          <p:cNvSpPr>
+            <a:spLocks noGrp="1"/>
+          </p:cNvSpPr>
+          <p:nvPr>
+            <p:ph type="body" idx="1"/>
+          </p:nvPr>
+        </p:nvSpPr>
+        <p:spPr/>
+        <p:txBody>
+          <a:bodyPr/>
+          <a:lstStyle/>
+          <a:p>
+            <a:endParaRPr lang="en-US"/>
+          </a:p>
+        </p:txBody>
+      </p:sp>
+      <p:sp>
+        <p:nvSpPr>
+          <p:cNvPr id="4" name="Slide Number Placeholder 3"/>
+          <p:cNvSpPr>
+            <a:spLocks noGrp="1"/>
+          </p:cNvSpPr>
+          <p:nvPr>
+            <p:ph type="sldNum" sz="quarter" idx="10"/>
+          </p:nvPr>
+        </p:nvSpPr>
+        <p:spPr/>
+        <p:txBody>
+          <a:bodyPr/>
+          <a:lstStyle/>
+          <a:p>
+            <a:fld id="{3560C2FB-C494-1A46-A471-884A4E75440F}" type="slidenum">
+              <a:rPr lang="en-US" smtClean="0"/>
+              <a:pPr/>
+              <a:t>6</a:t>
+            </a:fld>
+            <a:endParaRPr lang="en-US" dirty="0"/>
+          </a:p>
+        </p:txBody>
+      </p:sp>
+    </p:spTree>
+    <p:extLst>
+      <p:ext uri="{BB962C8B-B14F-4D97-AF65-F5344CB8AC3E}">
+        <p14:creationId xmlns:p14="http://schemas.microsoft.com/office/powerpoint/2010/main" val="3160764184"/>
+      </p:ext>
+    </p:extLst>
   </p:cSld>
   <p:clrMapOvr>
     <a:masterClrMapping/>
@@ -5073,406 +5414,148 @@
       </p:grpSpPr>
       <p:sp>
         <p:nvSpPr>
-          <p:cNvPr id="92164" name="Rectangle 3"/>
-          <p:cNvSpPr>
-            <a:spLocks noGrp="1" noChangeArrowheads="1"/>
+          <p:cNvPr id="2" name="Title 1"/>
+          <p:cNvSpPr>
+            <a:spLocks noGrp="1"/>
+          </p:cNvSpPr>
+          <p:nvPr>
+            <p:ph type="title"/>
+          </p:nvPr>
+        </p:nvSpPr>
+        <p:spPr/>
+        <p:txBody>
+          <a:bodyPr/>
+          <a:lstStyle/>
+          <a:p>
+            <a:r>
+              <a:rPr lang="en-US" dirty="0" smtClean="0"/>
+              <a:t>method to retrieve video data</a:t>
+            </a:r>
+            <a:endParaRPr lang="en-US" dirty="0"/>
+          </a:p>
+        </p:txBody>
+      </p:sp>
+      <p:sp>
+        <p:nvSpPr>
+          <p:cNvPr id="3" name="Content Placeholder 2"/>
+          <p:cNvSpPr>
+            <a:spLocks noGrp="1"/>
           </p:cNvSpPr>
           <p:nvPr>
             <p:ph idx="1"/>
           </p:nvPr>
         </p:nvSpPr>
-        <p:spPr>
-          <a:xfrm>
-            <a:off x="541346" y="1911090"/>
-            <a:ext cx="16439257" cy="7060998"/>
-          </a:xfrm>
-          <a:prstGeom prst="rect">
-            <a:avLst/>
-          </a:prstGeom>
-        </p:spPr>
-        <p:txBody>
-          <a:bodyPr>
-            <a:normAutofit/>
-          </a:bodyPr>
+        <p:spPr/>
+        <p:txBody>
+          <a:bodyPr/>
           <a:lstStyle/>
           <a:p>
-            <a:pPr>
-              <a:lnSpc>
-                <a:spcPct val="120000"/>
-              </a:lnSpc>
-              <a:buNone/>
-              <a:defRPr/>
-            </a:pPr>
-            <a:r>
-              <a:rPr lang="en-US" sz="2800" dirty="0">
+            <a:r>
+              <a:rPr lang="en-US" sz="3200" dirty="0" err="1" smtClean="0">
                 <a:latin typeface="Source Code Pro"/>
                 <a:cs typeface="Source Code Pro"/>
               </a:rPr>
-              <a:t>onTemplateReady : function (evt) {</a:t>
-            </a:r>
-          </a:p>
-          <a:p>
-            <a:pPr>
-              <a:lnSpc>
-                <a:spcPct val="120000"/>
-              </a:lnSpc>
-              <a:buNone/>
-              <a:defRPr/>
-            </a:pPr>
-            <a:r>
-              <a:rPr lang="en-US" sz="2800" dirty="0" smtClean="0">
+              <a:t>getCurrentVideo</a:t>
+            </a:r>
+            <a:r>
+              <a:rPr lang="en-US" sz="3200" dirty="0" smtClean="0">
                 <a:latin typeface="Source Code Pro"/>
                 <a:cs typeface="Source Code Pro"/>
               </a:rPr>
-              <a:t>  videoPlayer </a:t>
-            </a:r>
-            <a:r>
-              <a:rPr lang="en-US" sz="2800" dirty="0">
-                <a:latin typeface="Source Code Pro"/>
-                <a:cs typeface="Source Code Pro"/>
-              </a:rPr>
-              <a:t>= player.getModule(APIModules.VIDEO_PLAYER);</a:t>
-            </a:r>
-          </a:p>
+              <a:t>()</a:t>
+            </a:r>
+            <a:r>
+              <a:rPr lang="en-US" sz="3200" dirty="0" smtClean="0"/>
+              <a:t> – Retrieves video information for the currently playing video</a:t>
+            </a:r>
+          </a:p>
+          <a:p>
+            <a:pPr lvl="1"/>
+            <a:r>
+              <a:rPr lang="en-US" sz="3200" dirty="0" smtClean="0"/>
+              <a:t>Invokes a </a:t>
+            </a:r>
+            <a:r>
+              <a:rPr lang="en-US" sz="3200" dirty="0"/>
+              <a:t>callback function with the video </a:t>
+            </a:r>
+            <a:r>
+              <a:rPr lang="en-US" sz="3200" dirty="0" smtClean="0"/>
+              <a:t>DTO as a parameter</a:t>
+            </a:r>
+            <a:endParaRPr lang="en-US" sz="3200" dirty="0"/>
+          </a:p>
+        </p:txBody>
+      </p:sp>
+      <p:sp>
+        <p:nvSpPr>
+          <p:cNvPr id="4" name="Slide Number Placeholder 3"/>
+          <p:cNvSpPr>
+            <a:spLocks noGrp="1"/>
+          </p:cNvSpPr>
+          <p:nvPr>
+            <p:ph type="sldNum" sz="quarter" idx="10"/>
+          </p:nvPr>
+        </p:nvSpPr>
+        <p:spPr/>
+        <p:txBody>
+          <a:bodyPr/>
+          <a:lstStyle/>
           <a:p>
             <a:pPr>
-              <a:lnSpc>
-                <a:spcPct val="120000"/>
-              </a:lnSpc>
-              <a:buNone/>
               <a:defRPr/>
             </a:pPr>
-            <a:r>
-              <a:rPr lang="en-US" sz="2800" dirty="0" smtClean="0">
-                <a:latin typeface="Source Code Pro"/>
-                <a:cs typeface="Source Code Pro"/>
-              </a:rPr>
-              <a:t> </a:t>
-            </a:r>
-            <a:r>
-              <a:rPr lang="en-US" sz="2800" dirty="0" smtClean="0">
-                <a:solidFill>
-                  <a:schemeClr val="tx1"/>
-                </a:solidFill>
-                <a:latin typeface="Source Code Pro"/>
-                <a:cs typeface="Source Code Pro"/>
-              </a:rPr>
-              <a:t> </a:t>
-            </a:r>
-            <a:r>
-              <a:rPr lang="en-US" sz="2800" b="1" dirty="0" smtClean="0">
-                <a:solidFill>
-                  <a:schemeClr val="tx1"/>
-                </a:solidFill>
-                <a:latin typeface="Source Code Pro"/>
-                <a:cs typeface="Source Code Pro"/>
-              </a:rPr>
-              <a:t>videoPlayer.getCurrentVideo</a:t>
-            </a:r>
-            <a:r>
-              <a:rPr lang="en-US" sz="2800" dirty="0">
-                <a:latin typeface="Source Code Pro"/>
-                <a:cs typeface="Source Code Pro"/>
-              </a:rPr>
-              <a:t>( </a:t>
-            </a:r>
-            <a:r>
-              <a:rPr lang="en-US" sz="2800" b="1" dirty="0">
-                <a:latin typeface="Source Code Pro"/>
-                <a:cs typeface="Source Code Pro"/>
-              </a:rPr>
-              <a:t>function</a:t>
-            </a:r>
-            <a:r>
-              <a:rPr lang="en-US" sz="2800" dirty="0">
-                <a:latin typeface="Source Code Pro"/>
-                <a:cs typeface="Source Code Pro"/>
-              </a:rPr>
-              <a:t>(</a:t>
-            </a:r>
-            <a:r>
-              <a:rPr lang="en-US" sz="2800" b="1" dirty="0">
-                <a:latin typeface="Source Code Pro"/>
-                <a:cs typeface="Source Code Pro"/>
-              </a:rPr>
-              <a:t>videoDTO</a:t>
-            </a:r>
-            <a:r>
-              <a:rPr lang="en-US" sz="2800" dirty="0">
-                <a:latin typeface="Source Code Pro"/>
-                <a:cs typeface="Source Code Pro"/>
-              </a:rPr>
-              <a:t>) {</a:t>
-            </a:r>
-          </a:p>
-          <a:p>
-            <a:pPr>
-              <a:lnSpc>
-                <a:spcPct val="120000"/>
-              </a:lnSpc>
-              <a:buNone/>
-              <a:defRPr/>
-            </a:pPr>
-            <a:r>
-              <a:rPr lang="en-US" sz="2800" dirty="0" smtClean="0">
-                <a:latin typeface="Source Code Pro"/>
-                <a:cs typeface="Source Code Pro"/>
-              </a:rPr>
-              <a:t>    videoName.innerHTML </a:t>
-            </a:r>
-            <a:r>
-              <a:rPr lang="en-US" sz="2800" dirty="0">
-                <a:latin typeface="Source Code Pro"/>
-                <a:cs typeface="Source Code Pro"/>
-              </a:rPr>
-              <a:t>= "Currently watching: &lt;strong&gt;" </a:t>
-            </a:r>
-            <a:r>
-              <a:rPr lang="en-US" sz="2800" dirty="0" smtClean="0">
-                <a:latin typeface="Source Code Pro"/>
-                <a:cs typeface="Source Code Pro"/>
-              </a:rPr>
-              <a:t>+</a:t>
-            </a:r>
-            <a:br>
-              <a:rPr lang="en-US" sz="2800" dirty="0" smtClean="0">
-                <a:latin typeface="Source Code Pro"/>
-                <a:cs typeface="Source Code Pro"/>
-              </a:rPr>
-            </a:br>
-            <a:r>
-              <a:rPr lang="en-US" sz="2800" dirty="0" smtClean="0">
-                <a:latin typeface="Source Code Pro"/>
-                <a:cs typeface="Source Code Pro"/>
-              </a:rPr>
-              <a:t>       </a:t>
-            </a:r>
-            <a:r>
-              <a:rPr lang="en-US" sz="2800" b="1" dirty="0" err="1" smtClean="0">
-                <a:latin typeface="Source Code Pro"/>
-                <a:cs typeface="Source Code Pro"/>
-              </a:rPr>
-              <a:t>videoDTO.displayName</a:t>
-            </a:r>
-            <a:r>
-              <a:rPr lang="en-US" sz="2800" dirty="0" smtClean="0">
-                <a:latin typeface="Source Code Pro"/>
-                <a:cs typeface="Source Code Pro"/>
-              </a:rPr>
-              <a:t> </a:t>
-            </a:r>
-            <a:r>
-              <a:rPr lang="en-US" sz="2800" dirty="0">
-                <a:latin typeface="Source Code Pro"/>
-                <a:cs typeface="Source Code Pro"/>
-              </a:rPr>
-              <a:t>+ </a:t>
-            </a:r>
-            <a:r>
-              <a:rPr lang="en-US" sz="2800" dirty="0" smtClean="0">
-                <a:latin typeface="Source Code Pro"/>
-                <a:cs typeface="Source Code Pro"/>
-              </a:rPr>
-              <a:t>"</a:t>
-            </a:r>
-            <a:r>
-              <a:rPr lang="en-US" sz="2800" dirty="0">
-                <a:latin typeface="Source Code Pro"/>
-                <a:cs typeface="Source Code Pro"/>
-              </a:rPr>
-              <a:t>&lt;/strong&gt;";</a:t>
-            </a:r>
-          </a:p>
-          <a:p>
-            <a:pPr>
-              <a:lnSpc>
-                <a:spcPct val="120000"/>
-              </a:lnSpc>
-              <a:buNone/>
-              <a:defRPr/>
-            </a:pPr>
-            <a:r>
-              <a:rPr lang="en-US" sz="2800" dirty="0" smtClean="0">
-                <a:latin typeface="Source Code Pro"/>
-                <a:cs typeface="Source Code Pro"/>
-              </a:rPr>
-              <a:t>  });</a:t>
-            </a:r>
-          </a:p>
-          <a:p>
-            <a:pPr>
-              <a:lnSpc>
-                <a:spcPct val="120000"/>
-              </a:lnSpc>
-              <a:buNone/>
-              <a:defRPr/>
-            </a:pPr>
-            <a:r>
-              <a:rPr lang="en-US" sz="2800" dirty="0">
-                <a:latin typeface="Source Code Pro"/>
-                <a:cs typeface="Source Code Pro"/>
-              </a:rPr>
-              <a:t>}</a:t>
-            </a:r>
-          </a:p>
-          <a:p>
-            <a:pPr>
-              <a:lnSpc>
-                <a:spcPct val="120000"/>
-              </a:lnSpc>
-              <a:buNone/>
-              <a:defRPr/>
-            </a:pPr>
-            <a:r>
-              <a:rPr lang="en-US" dirty="0" smtClean="0">
-                <a:latin typeface="Source Code Pro"/>
-                <a:cs typeface="Source Code Pro"/>
-              </a:rPr>
-              <a:t>  </a:t>
-            </a:r>
-            <a:endParaRPr lang="en-US" dirty="0">
-              <a:latin typeface="Source Code Pro"/>
-              <a:cs typeface="Source Code Pro"/>
-            </a:endParaRPr>
-          </a:p>
-        </p:txBody>
-      </p:sp>
-      <p:sp>
-        <p:nvSpPr>
-          <p:cNvPr id="292866" name="Slide Number Placeholder 4"/>
-          <p:cNvSpPr txBox="1">
-            <a:spLocks noGrp="1"/>
-          </p:cNvSpPr>
-          <p:nvPr/>
-        </p:nvSpPr>
-        <p:spPr bwMode="auto">
-          <a:xfrm>
-            <a:off x="315868" y="9189943"/>
-            <a:ext cx="866378" cy="541514"/>
-          </a:xfrm>
-          <a:prstGeom prst="rect">
-            <a:avLst/>
-          </a:prstGeom>
-          <a:noFill/>
-          <a:ln>
-            <a:miter lim="800000"/>
-            <a:headEnd/>
-            <a:tailEnd/>
-          </a:ln>
-        </p:spPr>
-        <p:txBody>
-          <a:bodyPr lIns="154707" tIns="77354" rIns="154707" bIns="77354"/>
-          <a:lstStyle/>
-          <a:p>
-            <a:pPr eaLnBrk="0" hangingPunct="0">
-              <a:defRPr/>
-            </a:pPr>
-            <a:fld id="{636AF5A3-1A19-4348-84D4-31C731951373}" type="slidenum">
-              <a:rPr lang="en-US" sz="1500" b="1">
-                <a:solidFill>
-                  <a:srgbClr val="7B7B7B"/>
-                </a:solidFill>
-                <a:ea typeface="ＭＳ Ｐゴシック" pitchFamily="34" charset="-128"/>
-                <a:cs typeface="+mn-cs"/>
-              </a:rPr>
-              <a:pPr eaLnBrk="0" hangingPunct="0">
+            <a:fld id="{3BEB2E47-3EB2-7B4C-8CBB-96C276A0FE3D}" type="slidenum">
+              <a:rPr lang="en-US" smtClean="0"/>
+              <a:pPr>
                 <a:defRPr/>
               </a:pPr>
               <a:t>2</a:t>
             </a:fld>
-            <a:endParaRPr lang="en-US" sz="1500" b="1" dirty="0">
-              <a:solidFill>
-                <a:srgbClr val="7B7B7B"/>
-              </a:solidFill>
-              <a:ea typeface="ＭＳ Ｐゴシック" pitchFamily="34" charset="-128"/>
-              <a:cs typeface="+mn-cs"/>
-            </a:endParaRPr>
-          </a:p>
-        </p:txBody>
-      </p:sp>
-      <p:sp>
-        <p:nvSpPr>
-          <p:cNvPr id="92163" name="Rectangle 2"/>
-          <p:cNvSpPr>
-            <a:spLocks noGrp="1" noChangeArrowheads="1"/>
-          </p:cNvSpPr>
-          <p:nvPr>
-            <p:ph type="title"/>
-          </p:nvPr>
-        </p:nvSpPr>
-        <p:spPr>
-          <a:prstGeom prst="rect">
-            <a:avLst/>
-          </a:prstGeom>
-        </p:spPr>
+            <a:r>
+              <a:rPr lang="en-US" smtClean="0"/>
+              <a:t> |</a:t>
+            </a:r>
+            <a:endParaRPr lang="en-US" dirty="0"/>
+          </a:p>
+        </p:txBody>
+      </p:sp>
+      <p:sp>
+        <p:nvSpPr>
+          <p:cNvPr id="5" name="Footer Placeholder 4"/>
+          <p:cNvSpPr>
+            <a:spLocks noGrp="1"/>
+          </p:cNvSpPr>
+          <p:nvPr>
+            <p:ph type="ftr" sz="quarter" idx="11"/>
+          </p:nvPr>
+        </p:nvSpPr>
+        <p:spPr/>
         <p:txBody>
           <a:bodyPr/>
           <a:lstStyle/>
           <a:p>
-            <a:pPr eaLnBrk="1" hangingPunct="1"/>
-            <a:r>
-              <a:rPr lang="en-US" dirty="0" smtClean="0"/>
-              <a:t>Calling Methods</a:t>
-            </a:r>
-          </a:p>
-        </p:txBody>
-      </p:sp>
-      <p:sp>
-        <p:nvSpPr>
-          <p:cNvPr id="3" name="TextBox 2"/>
-          <p:cNvSpPr txBox="1"/>
-          <p:nvPr/>
-        </p:nvSpPr>
-        <p:spPr>
-          <a:xfrm>
-            <a:off x="1368888" y="6992951"/>
-            <a:ext cx="12418945" cy="1077218"/>
-          </a:xfrm>
-          <a:prstGeom prst="rect">
-            <a:avLst/>
-          </a:prstGeom>
-        </p:spPr>
-        <p:style>
-          <a:lnRef idx="2">
-            <a:schemeClr val="accent1"/>
-          </a:lnRef>
-          <a:fillRef idx="1">
-            <a:schemeClr val="lt1"/>
-          </a:fillRef>
-          <a:effectRef idx="0">
-            <a:schemeClr val="accent1"/>
-          </a:effectRef>
-          <a:fontRef idx="minor">
-            <a:schemeClr val="dk1"/>
-          </a:fontRef>
-        </p:style>
-        <p:txBody>
-          <a:bodyPr wrap="square" rtlCol="0">
-            <a:spAutoFit/>
-          </a:bodyPr>
-          <a:lstStyle/>
-          <a:p>
-            <a:r>
-              <a:rPr lang="en-US" sz="3200" dirty="0" smtClean="0"/>
-              <a:t>Remember: calls are asynchronous, so you must provide a callback function to handle returned data</a:t>
-            </a:r>
-            <a:endParaRPr lang="en-US" sz="3200" dirty="0"/>
+            <a:pPr>
+              <a:defRPr/>
+            </a:pPr>
+            <a:r>
+              <a:rPr lang="en-US" smtClean="0"/>
+              <a:t>Confidential</a:t>
+            </a:r>
+            <a:endParaRPr lang="en-US" dirty="0"/>
           </a:p>
         </p:txBody>
       </p:sp>
     </p:spTree>
     <p:extLst>
       <p:ext uri="{BB962C8B-B14F-4D97-AF65-F5344CB8AC3E}">
-        <p14:creationId xmlns:p14="http://schemas.microsoft.com/office/powerpoint/2010/main" val="3169780345"/>
+        <p14:creationId xmlns:p14="http://schemas.microsoft.com/office/powerpoint/2010/main" val="1448906372"/>
       </p:ext>
     </p:extLst>
   </p:cSld>
   <p:clrMapOvr>
     <a:masterClrMapping/>
   </p:clrMapOvr>
-  <p:transition xmlns:p14="http://schemas.microsoft.com/office/powerpoint/2010/main">
-    <p:fade/>
-  </p:transition>
   <p:timing>
     <p:tnLst>
       <p:par>
@@ -5502,6 +5585,435 @@
       </p:grpSpPr>
       <p:sp>
         <p:nvSpPr>
+          <p:cNvPr id="92164" name="Rectangle 3"/>
+          <p:cNvSpPr>
+            <a:spLocks noGrp="1" noChangeArrowheads="1"/>
+          </p:cNvSpPr>
+          <p:nvPr>
+            <p:ph idx="1"/>
+          </p:nvPr>
+        </p:nvSpPr>
+        <p:spPr>
+          <a:xfrm>
+            <a:off x="541346" y="1911090"/>
+            <a:ext cx="16439257" cy="7060998"/>
+          </a:xfrm>
+          <a:prstGeom prst="rect">
+            <a:avLst/>
+          </a:prstGeom>
+        </p:spPr>
+        <p:txBody>
+          <a:bodyPr>
+            <a:normAutofit/>
+          </a:bodyPr>
+          <a:lstStyle/>
+          <a:p>
+            <a:pPr>
+              <a:lnSpc>
+                <a:spcPct val="120000"/>
+              </a:lnSpc>
+              <a:buNone/>
+              <a:defRPr/>
+            </a:pPr>
+            <a:r>
+              <a:rPr lang="en-US" sz="2800" dirty="0">
+                <a:latin typeface="Source Code Pro"/>
+                <a:cs typeface="Source Code Pro"/>
+              </a:rPr>
+              <a:t>onTemplateReady : function (evt) {</a:t>
+            </a:r>
+          </a:p>
+          <a:p>
+            <a:pPr>
+              <a:lnSpc>
+                <a:spcPct val="120000"/>
+              </a:lnSpc>
+              <a:buNone/>
+              <a:defRPr/>
+            </a:pPr>
+            <a:r>
+              <a:rPr lang="en-US" sz="2800" dirty="0" smtClean="0">
+                <a:latin typeface="Source Code Pro"/>
+                <a:cs typeface="Source Code Pro"/>
+              </a:rPr>
+              <a:t>  videoPlayer </a:t>
+            </a:r>
+            <a:r>
+              <a:rPr lang="en-US" sz="2800" dirty="0">
+                <a:latin typeface="Source Code Pro"/>
+                <a:cs typeface="Source Code Pro"/>
+              </a:rPr>
+              <a:t>= player.getModule(APIModules.VIDEO_PLAYER);</a:t>
+            </a:r>
+          </a:p>
+          <a:p>
+            <a:pPr>
+              <a:lnSpc>
+                <a:spcPct val="120000"/>
+              </a:lnSpc>
+              <a:buNone/>
+              <a:defRPr/>
+            </a:pPr>
+            <a:r>
+              <a:rPr lang="en-US" sz="2800" dirty="0" smtClean="0">
+                <a:latin typeface="Source Code Pro"/>
+                <a:cs typeface="Source Code Pro"/>
+              </a:rPr>
+              <a:t> </a:t>
+            </a:r>
+            <a:r>
+              <a:rPr lang="en-US" sz="2800" dirty="0" smtClean="0">
+                <a:solidFill>
+                  <a:schemeClr val="tx1"/>
+                </a:solidFill>
+                <a:latin typeface="Source Code Pro"/>
+                <a:cs typeface="Source Code Pro"/>
+              </a:rPr>
+              <a:t> </a:t>
+            </a:r>
+            <a:r>
+              <a:rPr lang="en-US" sz="2800" b="1" dirty="0" smtClean="0">
+                <a:solidFill>
+                  <a:schemeClr val="tx1"/>
+                </a:solidFill>
+                <a:latin typeface="Source Code Pro"/>
+                <a:cs typeface="Source Code Pro"/>
+              </a:rPr>
+              <a:t>videoPlayer.getCurrentVideo</a:t>
+            </a:r>
+            <a:r>
+              <a:rPr lang="en-US" sz="2800" dirty="0">
+                <a:latin typeface="Source Code Pro"/>
+                <a:cs typeface="Source Code Pro"/>
+              </a:rPr>
+              <a:t>( </a:t>
+            </a:r>
+            <a:r>
+              <a:rPr lang="en-US" sz="2800" b="1" dirty="0">
+                <a:latin typeface="Source Code Pro"/>
+                <a:cs typeface="Source Code Pro"/>
+              </a:rPr>
+              <a:t>function</a:t>
+            </a:r>
+            <a:r>
+              <a:rPr lang="en-US" sz="2800" dirty="0">
+                <a:latin typeface="Source Code Pro"/>
+                <a:cs typeface="Source Code Pro"/>
+              </a:rPr>
+              <a:t>(</a:t>
+            </a:r>
+            <a:r>
+              <a:rPr lang="en-US" sz="2800" b="1" dirty="0">
+                <a:latin typeface="Source Code Pro"/>
+                <a:cs typeface="Source Code Pro"/>
+              </a:rPr>
+              <a:t>videoDTO</a:t>
+            </a:r>
+            <a:r>
+              <a:rPr lang="en-US" sz="2800" dirty="0">
+                <a:latin typeface="Source Code Pro"/>
+                <a:cs typeface="Source Code Pro"/>
+              </a:rPr>
+              <a:t>) {</a:t>
+            </a:r>
+          </a:p>
+          <a:p>
+            <a:pPr>
+              <a:lnSpc>
+                <a:spcPct val="120000"/>
+              </a:lnSpc>
+              <a:buNone/>
+              <a:defRPr/>
+            </a:pPr>
+            <a:r>
+              <a:rPr lang="en-US" sz="2800" dirty="0" smtClean="0">
+                <a:latin typeface="Source Code Pro"/>
+                <a:cs typeface="Source Code Pro"/>
+              </a:rPr>
+              <a:t>    videoName.innerHTML </a:t>
+            </a:r>
+            <a:r>
+              <a:rPr lang="en-US" sz="2800" dirty="0">
+                <a:latin typeface="Source Code Pro"/>
+                <a:cs typeface="Source Code Pro"/>
+              </a:rPr>
+              <a:t>= "Currently watching: &lt;strong&gt;" </a:t>
+            </a:r>
+            <a:r>
+              <a:rPr lang="en-US" sz="2800" dirty="0" smtClean="0">
+                <a:latin typeface="Source Code Pro"/>
+                <a:cs typeface="Source Code Pro"/>
+              </a:rPr>
+              <a:t>+</a:t>
+            </a:r>
+            <a:br>
+              <a:rPr lang="en-US" sz="2800" dirty="0" smtClean="0">
+                <a:latin typeface="Source Code Pro"/>
+                <a:cs typeface="Source Code Pro"/>
+              </a:rPr>
+            </a:br>
+            <a:r>
+              <a:rPr lang="en-US" sz="2800" dirty="0" smtClean="0">
+                <a:latin typeface="Source Code Pro"/>
+                <a:cs typeface="Source Code Pro"/>
+              </a:rPr>
+              <a:t>       </a:t>
+            </a:r>
+            <a:r>
+              <a:rPr lang="en-US" sz="2800" b="1" dirty="0" err="1" smtClean="0">
+                <a:latin typeface="Source Code Pro"/>
+                <a:cs typeface="Source Code Pro"/>
+              </a:rPr>
+              <a:t>videoDTO.displayName</a:t>
+            </a:r>
+            <a:r>
+              <a:rPr lang="en-US" sz="2800" dirty="0" smtClean="0">
+                <a:latin typeface="Source Code Pro"/>
+                <a:cs typeface="Source Code Pro"/>
+              </a:rPr>
+              <a:t> </a:t>
+            </a:r>
+            <a:r>
+              <a:rPr lang="en-US" sz="2800" dirty="0">
+                <a:latin typeface="Source Code Pro"/>
+                <a:cs typeface="Source Code Pro"/>
+              </a:rPr>
+              <a:t>+ </a:t>
+            </a:r>
+            <a:r>
+              <a:rPr lang="en-US" sz="2800" dirty="0" smtClean="0">
+                <a:latin typeface="Source Code Pro"/>
+                <a:cs typeface="Source Code Pro"/>
+              </a:rPr>
+              <a:t>"</a:t>
+            </a:r>
+            <a:r>
+              <a:rPr lang="en-US" sz="2800" dirty="0">
+                <a:latin typeface="Source Code Pro"/>
+                <a:cs typeface="Source Code Pro"/>
+              </a:rPr>
+              <a:t>&lt;/strong&gt;";</a:t>
+            </a:r>
+          </a:p>
+          <a:p>
+            <a:pPr>
+              <a:lnSpc>
+                <a:spcPct val="120000"/>
+              </a:lnSpc>
+              <a:buNone/>
+              <a:defRPr/>
+            </a:pPr>
+            <a:r>
+              <a:rPr lang="en-US" sz="2800" dirty="0" smtClean="0">
+                <a:latin typeface="Source Code Pro"/>
+                <a:cs typeface="Source Code Pro"/>
+              </a:rPr>
+              <a:t>  });</a:t>
+            </a:r>
+          </a:p>
+          <a:p>
+            <a:pPr>
+              <a:lnSpc>
+                <a:spcPct val="120000"/>
+              </a:lnSpc>
+              <a:buNone/>
+              <a:defRPr/>
+            </a:pPr>
+            <a:r>
+              <a:rPr lang="en-US" sz="2800" dirty="0">
+                <a:latin typeface="Source Code Pro"/>
+                <a:cs typeface="Source Code Pro"/>
+              </a:rPr>
+              <a:t>}</a:t>
+            </a:r>
+          </a:p>
+          <a:p>
+            <a:pPr>
+              <a:lnSpc>
+                <a:spcPct val="120000"/>
+              </a:lnSpc>
+              <a:buNone/>
+              <a:defRPr/>
+            </a:pPr>
+            <a:r>
+              <a:rPr lang="en-US" dirty="0" smtClean="0">
+                <a:latin typeface="Source Code Pro"/>
+                <a:cs typeface="Source Code Pro"/>
+              </a:rPr>
+              <a:t>  </a:t>
+            </a:r>
+            <a:endParaRPr lang="en-US" dirty="0">
+              <a:latin typeface="Source Code Pro"/>
+              <a:cs typeface="Source Code Pro"/>
+            </a:endParaRPr>
+          </a:p>
+        </p:txBody>
+      </p:sp>
+      <p:sp>
+        <p:nvSpPr>
+          <p:cNvPr id="292866" name="Slide Number Placeholder 4"/>
+          <p:cNvSpPr txBox="1">
+            <a:spLocks noGrp="1"/>
+          </p:cNvSpPr>
+          <p:nvPr/>
+        </p:nvSpPr>
+        <p:spPr bwMode="auto">
+          <a:xfrm>
+            <a:off x="315868" y="9189943"/>
+            <a:ext cx="866378" cy="541514"/>
+          </a:xfrm>
+          <a:prstGeom prst="rect">
+            <a:avLst/>
+          </a:prstGeom>
+          <a:noFill/>
+          <a:ln>
+            <a:miter lim="800000"/>
+            <a:headEnd/>
+            <a:tailEnd/>
+          </a:ln>
+        </p:spPr>
+        <p:txBody>
+          <a:bodyPr lIns="154707" tIns="77354" rIns="154707" bIns="77354"/>
+          <a:lstStyle/>
+          <a:p>
+            <a:pPr eaLnBrk="0" hangingPunct="0">
+              <a:defRPr/>
+            </a:pPr>
+            <a:fld id="{636AF5A3-1A19-4348-84D4-31C731951373}" type="slidenum">
+              <a:rPr lang="en-US" sz="1500" b="1">
+                <a:solidFill>
+                  <a:srgbClr val="7B7B7B"/>
+                </a:solidFill>
+                <a:ea typeface="ＭＳ Ｐゴシック" pitchFamily="34" charset="-128"/>
+                <a:cs typeface="+mn-cs"/>
+              </a:rPr>
+              <a:pPr eaLnBrk="0" hangingPunct="0">
+                <a:defRPr/>
+              </a:pPr>
+              <a:t>3</a:t>
+            </a:fld>
+            <a:endParaRPr lang="en-US" sz="1500" b="1" dirty="0">
+              <a:solidFill>
+                <a:srgbClr val="7B7B7B"/>
+              </a:solidFill>
+              <a:ea typeface="ＭＳ Ｐゴシック" pitchFamily="34" charset="-128"/>
+              <a:cs typeface="+mn-cs"/>
+            </a:endParaRPr>
+          </a:p>
+        </p:txBody>
+      </p:sp>
+      <p:sp>
+        <p:nvSpPr>
+          <p:cNvPr id="92163" name="Rectangle 2"/>
+          <p:cNvSpPr>
+            <a:spLocks noGrp="1" noChangeArrowheads="1"/>
+          </p:cNvSpPr>
+          <p:nvPr>
+            <p:ph type="title"/>
+          </p:nvPr>
+        </p:nvSpPr>
+        <p:spPr>
+          <a:prstGeom prst="rect">
+            <a:avLst/>
+          </a:prstGeom>
+        </p:spPr>
+        <p:txBody>
+          <a:bodyPr/>
+          <a:lstStyle/>
+          <a:p>
+            <a:pPr eaLnBrk="1" hangingPunct="1"/>
+            <a:r>
+              <a:rPr lang="en-US" dirty="0" smtClean="0"/>
+              <a:t>Calling Methods</a:t>
+            </a:r>
+          </a:p>
+        </p:txBody>
+      </p:sp>
+      <p:sp>
+        <p:nvSpPr>
+          <p:cNvPr id="3" name="TextBox 2"/>
+          <p:cNvSpPr txBox="1"/>
+          <p:nvPr/>
+        </p:nvSpPr>
+        <p:spPr>
+          <a:xfrm>
+            <a:off x="1368888" y="6992951"/>
+            <a:ext cx="12418945" cy="1077218"/>
+          </a:xfrm>
+          <a:prstGeom prst="rect">
+            <a:avLst/>
+          </a:prstGeom>
+        </p:spPr>
+        <p:style>
+          <a:lnRef idx="2">
+            <a:schemeClr val="accent1"/>
+          </a:lnRef>
+          <a:fillRef idx="1">
+            <a:schemeClr val="lt1"/>
+          </a:fillRef>
+          <a:effectRef idx="0">
+            <a:schemeClr val="accent1"/>
+          </a:effectRef>
+          <a:fontRef idx="minor">
+            <a:schemeClr val="dk1"/>
+          </a:fontRef>
+        </p:style>
+        <p:txBody>
+          <a:bodyPr wrap="square" rtlCol="0">
+            <a:spAutoFit/>
+          </a:bodyPr>
+          <a:lstStyle/>
+          <a:p>
+            <a:r>
+              <a:rPr lang="en-US" sz="3200" dirty="0" smtClean="0"/>
+              <a:t>Remember: calls are asynchronous, so you must provide a callback function to handle returned data</a:t>
+            </a:r>
+            <a:endParaRPr lang="en-US" sz="3200" dirty="0"/>
+          </a:p>
+        </p:txBody>
+      </p:sp>
+    </p:spTree>
+    <p:extLst>
+      <p:ext uri="{BB962C8B-B14F-4D97-AF65-F5344CB8AC3E}">
+        <p14:creationId xmlns:p14="http://schemas.microsoft.com/office/powerpoint/2010/main" val="3169780345"/>
+      </p:ext>
+    </p:extLst>
+  </p:cSld>
+  <p:clrMapOvr>
+    <a:masterClrMapping/>
+  </p:clrMapOvr>
+  <p:transition xmlns:p14="http://schemas.microsoft.com/office/powerpoint/2010/main">
+    <p:fade/>
+  </p:transition>
+  <p:timing>
+    <p:tnLst>
+      <p:par>
+        <p:cTn xmlns:p14="http://schemas.microsoft.com/office/powerpoint/2010/main" id="1" dur="indefinite" restart="never" nodeType="tmRoot"/>
+      </p:par>
+    </p:tnLst>
+  </p:timing>
+</p:sld>
+</file>
+
+<file path=ppt/slides/slide4.xml><?xml version="1.0" encoding="utf-8"?>
+<p:sld xmlns:a="http://schemas.openxmlformats.org/drawingml/2006/main" xmlns:r="http://schemas.openxmlformats.org/officeDocument/2006/relationships" xmlns:p="http://schemas.openxmlformats.org/presentationml/2006/main">
+  <p:cSld>
+    <p:spTree>
+      <p:nvGrpSpPr>
+        <p:cNvPr id="1" name=""/>
+        <p:cNvGrpSpPr/>
+        <p:nvPr/>
+      </p:nvGrpSpPr>
+      <p:grpSpPr>
+        <a:xfrm>
+          <a:off x="0" y="0"/>
+          <a:ext cx="0" cy="0"/>
+          <a:chOff x="0" y="0"/>
+          <a:chExt cx="0" cy="0"/>
+        </a:xfrm>
+      </p:grpSpPr>
+      <p:sp>
+        <p:nvSpPr>
           <p:cNvPr id="2" name="Title 1"/>
           <p:cNvSpPr>
             <a:spLocks noGrp="1"/>
@@ -5575,7 +6087,7 @@
               <a:pPr>
                 <a:defRPr/>
               </a:pPr>
-              <a:t>3</a:t>
+              <a:t>4</a:t>
             </a:fld>
             <a:r>
               <a:rPr lang="en-US" dirty="0" smtClean="0"/>
@@ -5620,7 +6132,7 @@
           <p:nvPr/>
         </p:nvPicPr>
         <p:blipFill>
-          <a:blip r:embed="rId2">
+          <a:blip r:embed="rId3">
             <a:extLst>
               <a:ext uri="{28A0092B-C50C-407E-A947-70E740481C1C}">
                 <a14:useLocalDpi xmlns:a14="http://schemas.microsoft.com/office/drawing/2010/main" val="0"/>
@@ -5651,10 +6163,17 @@
   <p:clrMapOvr>
     <a:masterClrMapping/>
   </p:clrMapOvr>
+  <p:timing>
+    <p:tnLst>
+      <p:par>
+        <p:cTn xmlns:p14="http://schemas.microsoft.com/office/powerpoint/2010/main" id="1" dur="indefinite" restart="never" nodeType="tmRoot"/>
+      </p:par>
+    </p:tnLst>
+  </p:timing>
 </p:sld>
 </file>
 
-<file path=ppt/slides/slide4.xml><?xml version="1.0" encoding="utf-8"?>
+<file path=ppt/slides/slide5.xml><?xml version="1.0" encoding="utf-8"?>
 <p:sld xmlns:a="http://schemas.openxmlformats.org/drawingml/2006/main" xmlns:r="http://schemas.openxmlformats.org/officeDocument/2006/relationships" xmlns:p="http://schemas.openxmlformats.org/presentationml/2006/main">
   <p:cSld>
     <p:spTree>
@@ -5719,11 +6238,7 @@
           <a:p>
             <a:r>
               <a:rPr lang="en-US" sz="3200" dirty="0" smtClean="0"/>
-              <a:t>Use developer </a:t>
-            </a:r>
-            <a:r>
-              <a:rPr lang="en-US" sz="3200" dirty="0" smtClean="0"/>
-              <a:t>/ debugging tools</a:t>
+              <a:t>Use developer / debugging tools</a:t>
             </a:r>
           </a:p>
           <a:p>
@@ -5765,7 +6280,7 @@
               <a:pPr>
                 <a:defRPr/>
               </a:pPr>
-              <a:t>4</a:t>
+              <a:t>5</a:t>
             </a:fld>
             <a:r>
               <a:rPr lang="en-US" dirty="0" smtClean="0"/>
@@ -5810,7 +6325,7 @@
           <p:nvPr/>
         </p:nvPicPr>
         <p:blipFill>
-          <a:blip r:embed="rId2">
+          <a:blip r:embed="rId3">
             <a:extLst>
               <a:ext uri="{28A0092B-C50C-407E-A947-70E740481C1C}">
                 <a14:useLocalDpi xmlns:a14="http://schemas.microsoft.com/office/drawing/2010/main" val="0"/>
@@ -5841,10 +6356,17 @@
   <p:clrMapOvr>
     <a:masterClrMapping/>
   </p:clrMapOvr>
+  <p:timing>
+    <p:tnLst>
+      <p:par>
+        <p:cTn xmlns:p14="http://schemas.microsoft.com/office/powerpoint/2010/main" id="1" dur="indefinite" restart="never" nodeType="tmRoot"/>
+      </p:par>
+    </p:tnLst>
+  </p:timing>
 </p:sld>
 </file>
 
-<file path=ppt/slides/slide5.xml><?xml version="1.0" encoding="utf-8"?>
+<file path=ppt/slides/slide6.xml><?xml version="1.0" encoding="utf-8"?>
 <p:sld xmlns:a="http://schemas.openxmlformats.org/drawingml/2006/main" xmlns:r="http://schemas.openxmlformats.org/officeDocument/2006/relationships" xmlns:p="http://schemas.openxmlformats.org/presentationml/2006/main">
   <p:cSld>
     <p:spTree>
@@ -5937,7 +6459,7 @@
               <a:pPr>
                 <a:defRPr/>
               </a:pPr>
-              <a:t>5</a:t>
+              <a:t>6</a:t>
             </a:fld>
             <a:endParaRPr lang="en-US" dirty="0"/>
           </a:p>

--- a/VideoSessionsMaterials/v7-accessing-data.pptx
+++ b/VideoSessionsMaterials/v7-accessing-data.pptx
@@ -5,7 +5,7 @@
     <p:sldMasterId id="2147483648" r:id="rId1"/>
   </p:sldMasterIdLst>
   <p:notesMasterIdLst>
-    <p:notesMasterId r:id="rId8"/>
+    <p:notesMasterId r:id="rId9"/>
   </p:notesMasterIdLst>
   <p:sldIdLst>
     <p:sldId id="358" r:id="rId2"/>
@@ -13,7 +13,8 @@
     <p:sldId id="339" r:id="rId4"/>
     <p:sldId id="356" r:id="rId5"/>
     <p:sldId id="357" r:id="rId6"/>
-    <p:sldId id="322" r:id="rId7"/>
+    <p:sldId id="360" r:id="rId7"/>
+    <p:sldId id="322" r:id="rId8"/>
   </p:sldIdLst>
   <p:sldSz cx="17327563" cy="9747250"/>
   <p:notesSz cx="6858000" cy="9144000"/>
@@ -228,7 +229,7 @@
             <a:fld id="{DDC063FE-8627-9A42-970F-0BBEEB02B587}" type="datetimeFigureOut">
               <a:rPr lang="en-US" smtClean="0"/>
               <a:pPr/>
-              <a:t>11/27/13</a:t>
+              <a:t>11/29/13</a:t>
             </a:fld>
             <a:endParaRPr lang="en-US" dirty="0"/>
           </a:p>
@@ -997,43 +998,135 @@
       </p:grpSpPr>
       <p:sp>
         <p:nvSpPr>
-          <p:cNvPr id="2" name="Slide Image Placeholder 1"/>
-          <p:cNvSpPr>
-            <a:spLocks noGrp="1" noRot="1" noChangeAspect="1"/>
+          <p:cNvPr id="304129" name="Rectangle 7"/>
+          <p:cNvSpPr txBox="1">
+            <a:spLocks noGrp="1" noChangeArrowheads="1"/>
+          </p:cNvSpPr>
+          <p:nvPr/>
+        </p:nvSpPr>
+        <p:spPr bwMode="auto">
+          <a:xfrm>
+            <a:off x="3886200" y="8686489"/>
+            <a:ext cx="2971800" cy="457512"/>
+          </a:xfrm>
+          <a:prstGeom prst="rect">
+            <a:avLst/>
+          </a:prstGeom>
+          <a:noFill/>
+          <a:ln>
+            <a:miter lim="800000"/>
+            <a:headEnd/>
+            <a:tailEnd/>
+          </a:ln>
+        </p:spPr>
+        <p:txBody>
+          <a:bodyPr anchor="b"/>
+          <a:lstStyle/>
+          <a:p>
+            <a:pPr algn="r" eaLnBrk="0" hangingPunct="0">
+              <a:defRPr/>
+            </a:pPr>
+            <a:fld id="{5639B2D1-4F62-47BF-B141-83C0868A9AB5}" type="slidenum">
+              <a:rPr lang="en-US" sz="1200">
+                <a:ea typeface="ＭＳ Ｐゴシック" pitchFamily="34" charset="-128"/>
+                <a:cs typeface="+mn-cs"/>
+              </a:rPr>
+              <a:pPr algn="r" eaLnBrk="0" hangingPunct="0">
+                <a:defRPr/>
+              </a:pPr>
+              <a:t>6</a:t>
+            </a:fld>
+            <a:endParaRPr lang="en-US" sz="1200" dirty="0">
+              <a:ea typeface="ＭＳ Ｐゴシック" pitchFamily="34" charset="-128"/>
+              <a:cs typeface="+mn-cs"/>
+            </a:endParaRPr>
+          </a:p>
+        </p:txBody>
+      </p:sp>
+      <p:sp>
+        <p:nvSpPr>
+          <p:cNvPr id="97282" name="Rectangle 2"/>
+          <p:cNvSpPr>
+            <a:spLocks noGrp="1" noRot="1" noChangeAspect="1" noChangeArrowheads="1" noTextEdit="1"/>
           </p:cNvSpPr>
           <p:nvPr>
             <p:ph type="sldImg"/>
           </p:nvPr>
         </p:nvSpPr>
-        <p:spPr/>
-      </p:sp>
-      <p:sp>
-        <p:nvSpPr>
-          <p:cNvPr id="3" name="Notes Placeholder 2"/>
-          <p:cNvSpPr>
-            <a:spLocks noGrp="1"/>
+        <p:spPr>
+          <a:ln/>
+        </p:spPr>
+      </p:sp>
+      <p:sp>
+        <p:nvSpPr>
+          <p:cNvPr id="97283" name="Rectangle 3"/>
+          <p:cNvSpPr>
+            <a:spLocks noGrp="1" noChangeArrowheads="1"/>
           </p:cNvSpPr>
           <p:nvPr>
             <p:ph type="body" idx="1"/>
           </p:nvPr>
         </p:nvSpPr>
-        <p:spPr/>
+        <p:spPr>
+          <a:noFill/>
+          <a:ln/>
+        </p:spPr>
         <p:txBody>
           <a:bodyPr/>
           <a:lstStyle/>
           <a:p>
-            <a:endParaRPr lang="en-US"/>
-          </a:p>
-        </p:txBody>
-      </p:sp>
-      <p:sp>
-        <p:nvSpPr>
-          <p:cNvPr id="4" name="Slide Number Placeholder 3"/>
-          <p:cNvSpPr>
-            <a:spLocks noGrp="1"/>
-          </p:cNvSpPr>
-          <p:nvPr>
-            <p:ph type="sldNum" sz="quarter" idx="10"/>
+            <a:pPr eaLnBrk="1" hangingPunct="1"/>
+            <a:endParaRPr lang="en-US" dirty="0" smtClean="0">
+              <a:ea typeface="ＭＳ Ｐゴシック"/>
+            </a:endParaRPr>
+          </a:p>
+        </p:txBody>
+      </p:sp>
+    </p:spTree>
+  </p:cSld>
+  <p:clrMapOvr>
+    <a:masterClrMapping/>
+  </p:clrMapOvr>
+</p:notes>
+</file>
+
+<file path=ppt/notesSlides/notesSlide7.xml><?xml version="1.0" encoding="utf-8"?>
+<p:notes xmlns:a="http://schemas.openxmlformats.org/drawingml/2006/main" xmlns:r="http://schemas.openxmlformats.org/officeDocument/2006/relationships" xmlns:p="http://schemas.openxmlformats.org/presentationml/2006/main">
+  <p:cSld>
+    <p:spTree>
+      <p:nvGrpSpPr>
+        <p:cNvPr id="1" name=""/>
+        <p:cNvGrpSpPr/>
+        <p:nvPr/>
+      </p:nvGrpSpPr>
+      <p:grpSpPr>
+        <a:xfrm>
+          <a:off x="0" y="0"/>
+          <a:ext cx="0" cy="0"/>
+          <a:chOff x="0" y="0"/>
+          <a:chExt cx="0" cy="0"/>
+        </a:xfrm>
+      </p:grpSpPr>
+      <p:sp>
+        <p:nvSpPr>
+          <p:cNvPr id="2" name="Slide Image Placeholder 1"/>
+          <p:cNvSpPr>
+            <a:spLocks noGrp="1" noRot="1" noChangeAspect="1"/>
+          </p:cNvSpPr>
+          <p:nvPr>
+            <p:ph type="sldImg"/>
+          </p:nvPr>
+        </p:nvSpPr>
+        <p:spPr/>
+      </p:sp>
+      <p:sp>
+        <p:nvSpPr>
+          <p:cNvPr id="3" name="Notes Placeholder 2"/>
+          <p:cNvSpPr>
+            <a:spLocks noGrp="1"/>
+          </p:cNvSpPr>
+          <p:nvPr>
+            <p:ph type="body" idx="1"/>
           </p:nvPr>
         </p:nvSpPr>
         <p:spPr/>
@@ -1041,10 +1134,29 @@
           <a:bodyPr/>
           <a:lstStyle/>
           <a:p>
+            <a:endParaRPr lang="en-US"/>
+          </a:p>
+        </p:txBody>
+      </p:sp>
+      <p:sp>
+        <p:nvSpPr>
+          <p:cNvPr id="4" name="Slide Number Placeholder 3"/>
+          <p:cNvSpPr>
+            <a:spLocks noGrp="1"/>
+          </p:cNvSpPr>
+          <p:nvPr>
+            <p:ph type="sldNum" sz="quarter" idx="10"/>
+          </p:nvPr>
+        </p:nvSpPr>
+        <p:spPr/>
+        <p:txBody>
+          <a:bodyPr/>
+          <a:lstStyle/>
+          <a:p>
             <a:fld id="{3560C2FB-C494-1A46-A471-884A4E75440F}" type="slidenum">
               <a:rPr lang="en-US" smtClean="0"/>
               <a:pPr/>
-              <a:t>6</a:t>
+              <a:t>7</a:t>
             </a:fld>
             <a:endParaRPr lang="en-US" dirty="0"/>
           </a:p>
@@ -6385,6 +6497,123 @@
       </p:grpSpPr>
       <p:sp>
         <p:nvSpPr>
+          <p:cNvPr id="303106" name="Slide Number Placeholder 3"/>
+          <p:cNvSpPr txBox="1">
+            <a:spLocks noGrp="1"/>
+          </p:cNvSpPr>
+          <p:nvPr/>
+        </p:nvSpPr>
+        <p:spPr bwMode="auto">
+          <a:xfrm>
+            <a:off x="315868" y="9189943"/>
+            <a:ext cx="866378" cy="541514"/>
+          </a:xfrm>
+          <a:prstGeom prst="rect">
+            <a:avLst/>
+          </a:prstGeom>
+          <a:noFill/>
+          <a:ln>
+            <a:miter lim="800000"/>
+            <a:headEnd/>
+            <a:tailEnd/>
+          </a:ln>
+        </p:spPr>
+        <p:txBody>
+          <a:bodyPr lIns="154707" tIns="77354" rIns="154707" bIns="77354"/>
+          <a:lstStyle/>
+          <a:p>
+            <a:pPr eaLnBrk="0" hangingPunct="0">
+              <a:defRPr/>
+            </a:pPr>
+            <a:fld id="{1BD3BB7B-F997-4B7C-BCBE-A063D59C732E}" type="slidenum">
+              <a:rPr lang="en-US" sz="1500" b="1">
+                <a:solidFill>
+                  <a:srgbClr val="7B7B7B"/>
+                </a:solidFill>
+                <a:ea typeface="ＭＳ Ｐゴシック" pitchFamily="34" charset="-128"/>
+                <a:cs typeface="+mn-cs"/>
+              </a:rPr>
+              <a:pPr eaLnBrk="0" hangingPunct="0">
+                <a:defRPr/>
+              </a:pPr>
+              <a:t>6</a:t>
+            </a:fld>
+            <a:endParaRPr lang="en-US" sz="1500" b="1" dirty="0">
+              <a:solidFill>
+                <a:srgbClr val="7B7B7B"/>
+              </a:solidFill>
+              <a:ea typeface="ＭＳ Ｐゴシック" pitchFamily="34" charset="-128"/>
+              <a:cs typeface="+mn-cs"/>
+            </a:endParaRPr>
+          </a:p>
+        </p:txBody>
+      </p:sp>
+      <p:sp>
+        <p:nvSpPr>
+          <p:cNvPr id="5" name="Text Placeholder 4"/>
+          <p:cNvSpPr>
+            <a:spLocks noGrp="1"/>
+          </p:cNvSpPr>
+          <p:nvPr>
+            <p:ph type="body" sz="quarter" idx="10"/>
+          </p:nvPr>
+        </p:nvSpPr>
+        <p:spPr/>
+        <p:txBody>
+          <a:bodyPr/>
+          <a:lstStyle/>
+          <a:p>
+            <a:r>
+              <a:rPr lang="en-US" dirty="0" smtClean="0"/>
+              <a:t>Demo </a:t>
+            </a:r>
+            <a:r>
+              <a:rPr lang="en-US" dirty="0" smtClean="0"/>
+              <a:t>2: Displaying Basic Video Information</a:t>
+            </a:r>
+          </a:p>
+        </p:txBody>
+      </p:sp>
+    </p:spTree>
+    <p:extLst>
+      <p:ext uri="{BB962C8B-B14F-4D97-AF65-F5344CB8AC3E}">
+        <p14:creationId xmlns:p14="http://schemas.microsoft.com/office/powerpoint/2010/main" val="779287546"/>
+      </p:ext>
+    </p:extLst>
+  </p:cSld>
+  <p:clrMapOvr>
+    <a:masterClrMapping/>
+  </p:clrMapOvr>
+  <p:transition xmlns:p14="http://schemas.microsoft.com/office/powerpoint/2010/main"/>
+  <p:timing>
+    <p:tnLst>
+      <p:par>
+        <p:cTn xmlns:p14="http://schemas.microsoft.com/office/powerpoint/2010/main" id="1" dur="indefinite" restart="never" nodeType="tmRoot"/>
+      </p:par>
+    </p:tnLst>
+  </p:timing>
+</p:sld>
+</file>
+
+<file path=ppt/slides/slide7.xml><?xml version="1.0" encoding="utf-8"?>
+<p:sld xmlns:a="http://schemas.openxmlformats.org/drawingml/2006/main" xmlns:r="http://schemas.openxmlformats.org/officeDocument/2006/relationships" xmlns:p="http://schemas.openxmlformats.org/presentationml/2006/main">
+  <p:cSld>
+    <p:spTree>
+      <p:nvGrpSpPr>
+        <p:cNvPr id="1" name=""/>
+        <p:cNvGrpSpPr/>
+        <p:nvPr/>
+      </p:nvGrpSpPr>
+      <p:grpSpPr>
+        <a:xfrm>
+          <a:off x="0" y="0"/>
+          <a:ext cx="0" cy="0"/>
+          <a:chOff x="0" y="0"/>
+          <a:chExt cx="0" cy="0"/>
+        </a:xfrm>
+      </p:grpSpPr>
+      <p:sp>
+        <p:nvSpPr>
           <p:cNvPr id="3" name="Text Placeholder 2"/>
           <p:cNvSpPr>
             <a:spLocks noGrp="1"/>
@@ -6459,7 +6688,7 @@
               <a:pPr>
                 <a:defRPr/>
               </a:pPr>
-              <a:t>6</a:t>
+              <a:t>7</a:t>
             </a:fld>
             <a:endParaRPr lang="en-US" dirty="0"/>
           </a:p>
